--- a/UIT_AEP_BigDataRESEARCH - Bao_Data Mining.pptx
+++ b/UIT_AEP_BigDataRESEARCH - Bao_Data Mining.pptx
@@ -2387,7 +2387,7 @@
           </a:ln>
           <a:extLst>
             <a:ext uri="{C572A759-6A51-4108-AA02-DFA0A04FC94B}">
-              <ma14:wrappingTextBoxFlag xmlns:ma14="http://schemas.microsoft.com/office/mac/drawingml/2011/main" xmlns="" val="1"/>
+              <ma14:wrappingTextBoxFlag xmlns="" xmlns:ma14="http://schemas.microsoft.com/office/mac/drawingml/2011/main" val="1"/>
             </a:ext>
           </a:extLst>
         </p:spPr>
@@ -2735,7 +2735,7 @@
           </a:ln>
           <a:extLst>
             <a:ext uri="{C572A759-6A51-4108-AA02-DFA0A04FC94B}">
-              <ma14:wrappingTextBoxFlag xmlns:ma14="http://schemas.microsoft.com/office/mac/drawingml/2011/main" xmlns="" val="1"/>
+              <ma14:wrappingTextBoxFlag xmlns="" xmlns:ma14="http://schemas.microsoft.com/office/mac/drawingml/2011/main" val="1"/>
             </a:ext>
           </a:extLst>
         </p:spPr>
@@ -3083,7 +3083,7 @@
           </a:ln>
           <a:extLst>
             <a:ext uri="{C572A759-6A51-4108-AA02-DFA0A04FC94B}">
-              <ma14:wrappingTextBoxFlag xmlns:ma14="http://schemas.microsoft.com/office/mac/drawingml/2011/main" xmlns="" val="1"/>
+              <ma14:wrappingTextBoxFlag xmlns="" xmlns:ma14="http://schemas.microsoft.com/office/mac/drawingml/2011/main" val="1"/>
             </a:ext>
           </a:extLst>
         </p:spPr>
@@ -3955,7 +3955,7 @@
           </a:ln>
           <a:extLst>
             <a:ext uri="{C572A759-6A51-4108-AA02-DFA0A04FC94B}">
-              <ma14:wrappingTextBoxFlag xmlns:ma14="http://schemas.microsoft.com/office/mac/drawingml/2011/main" xmlns="" val="1"/>
+              <ma14:wrappingTextBoxFlag xmlns="" xmlns:ma14="http://schemas.microsoft.com/office/mac/drawingml/2011/main" val="1"/>
             </a:ext>
           </a:extLst>
         </p:spPr>
@@ -4541,7 +4541,7 @@
           </a:ln>
           <a:extLst>
             <a:ext uri="{C572A759-6A51-4108-AA02-DFA0A04FC94B}">
-              <ma14:wrappingTextBoxFlag xmlns:ma14="http://schemas.microsoft.com/office/mac/drawingml/2011/main" xmlns="" val="1"/>
+              <ma14:wrappingTextBoxFlag xmlns="" xmlns:ma14="http://schemas.microsoft.com/office/mac/drawingml/2011/main" val="1"/>
             </a:ext>
           </a:extLst>
         </p:spPr>
@@ -5235,7 +5235,7 @@
           </a:ln>
           <a:extLst>
             <a:ext uri="{C572A759-6A51-4108-AA02-DFA0A04FC94B}">
-              <ma14:wrappingTextBoxFlag xmlns:ma14="http://schemas.microsoft.com/office/mac/drawingml/2011/main" xmlns="" val="1"/>
+              <ma14:wrappingTextBoxFlag xmlns="" xmlns:ma14="http://schemas.microsoft.com/office/mac/drawingml/2011/main" val="1"/>
             </a:ext>
           </a:extLst>
         </p:spPr>
@@ -5903,7 +5903,7 @@
           </a:ln>
           <a:extLst>
             <a:ext uri="{C572A759-6A51-4108-AA02-DFA0A04FC94B}">
-              <ma14:wrappingTextBoxFlag xmlns:ma14="http://schemas.microsoft.com/office/mac/drawingml/2011/main" xmlns="" val="1"/>
+              <ma14:wrappingTextBoxFlag xmlns="" xmlns:ma14="http://schemas.microsoft.com/office/mac/drawingml/2011/main" val="1"/>
             </a:ext>
           </a:extLst>
         </p:spPr>
@@ -6693,7 +6693,7 @@
           </a:ln>
           <a:extLst>
             <a:ext uri="{C572A759-6A51-4108-AA02-DFA0A04FC94B}">
-              <ma14:wrappingTextBoxFlag xmlns:ma14="http://schemas.microsoft.com/office/mac/drawingml/2011/main" xmlns="" val="1"/>
+              <ma14:wrappingTextBoxFlag xmlns="" xmlns:ma14="http://schemas.microsoft.com/office/mac/drawingml/2011/main" val="1"/>
             </a:ext>
           </a:extLst>
         </p:spPr>
@@ -7361,7 +7361,7 @@
           </a:ln>
           <a:extLst>
             <a:ext uri="{C572A759-6A51-4108-AA02-DFA0A04FC94B}">
-              <ma14:wrappingTextBoxFlag xmlns:ma14="http://schemas.microsoft.com/office/mac/drawingml/2011/main" xmlns="" val="1"/>
+              <ma14:wrappingTextBoxFlag xmlns="" xmlns:ma14="http://schemas.microsoft.com/office/mac/drawingml/2011/main" val="1"/>
             </a:ext>
           </a:extLst>
         </p:spPr>
@@ -8029,7 +8029,7 @@
           </a:ln>
           <a:extLst>
             <a:ext uri="{C572A759-6A51-4108-AA02-DFA0A04FC94B}">
-              <ma14:wrappingTextBoxFlag xmlns:ma14="http://schemas.microsoft.com/office/mac/drawingml/2011/main" xmlns="" val="1"/>
+              <ma14:wrappingTextBoxFlag xmlns="" xmlns:ma14="http://schemas.microsoft.com/office/mac/drawingml/2011/main" val="1"/>
             </a:ext>
           </a:extLst>
         </p:spPr>
@@ -8697,7 +8697,7 @@
           </a:ln>
           <a:extLst>
             <a:ext uri="{C572A759-6A51-4108-AA02-DFA0A04FC94B}">
-              <ma14:wrappingTextBoxFlag xmlns:ma14="http://schemas.microsoft.com/office/mac/drawingml/2011/main" xmlns="" val="1"/>
+              <ma14:wrappingTextBoxFlag xmlns="" xmlns:ma14="http://schemas.microsoft.com/office/mac/drawingml/2011/main" val="1"/>
             </a:ext>
           </a:extLst>
         </p:spPr>
@@ -9616,7 +9616,7 @@
           </a:ln>
           <a:extLst>
             <a:ext uri="{C572A759-6A51-4108-AA02-DFA0A04FC94B}">
-              <ma14:wrappingTextBoxFlag xmlns:ma14="http://schemas.microsoft.com/office/mac/drawingml/2011/main" xmlns="" val="1"/>
+              <ma14:wrappingTextBoxFlag xmlns="" xmlns:ma14="http://schemas.microsoft.com/office/mac/drawingml/2011/main" val="1"/>
             </a:ext>
           </a:extLst>
         </p:spPr>
@@ -10003,7 +10003,7 @@
           </a:ln>
           <a:extLst>
             <a:ext uri="{C572A759-6A51-4108-AA02-DFA0A04FC94B}">
-              <ma14:wrappingTextBoxFlag xmlns:ma14="http://schemas.microsoft.com/office/mac/drawingml/2011/main" xmlns="" val="1"/>
+              <ma14:wrappingTextBoxFlag xmlns="" xmlns:ma14="http://schemas.microsoft.com/office/mac/drawingml/2011/main" val="1"/>
             </a:ext>
           </a:extLst>
         </p:spPr>
@@ -13428,7 +13428,7 @@
           </a:ln>
           <a:extLst>
             <a:ext uri="{C572A759-6A51-4108-AA02-DFA0A04FC94B}">
-              <ma14:wrappingTextBoxFlag xmlns:ma14="http://schemas.microsoft.com/office/mac/drawingml/2011/main" xmlns="" val="1"/>
+              <ma14:wrappingTextBoxFlag xmlns="" xmlns:ma14="http://schemas.microsoft.com/office/mac/drawingml/2011/main" val="1"/>
             </a:ext>
           </a:extLst>
         </p:spPr>
@@ -14307,7 +14307,7 @@
           </a:ln>
           <a:extLst>
             <a:ext uri="{C572A759-6A51-4108-AA02-DFA0A04FC94B}">
-              <ma14:wrappingTextBoxFlag xmlns:ma14="http://schemas.microsoft.com/office/mac/drawingml/2011/main" xmlns="" val="1"/>
+              <ma14:wrappingTextBoxFlag xmlns="" xmlns:ma14="http://schemas.microsoft.com/office/mac/drawingml/2011/main" val="1"/>
             </a:ext>
           </a:extLst>
         </p:spPr>
@@ -15294,7 +15294,7 @@
           </a:ln>
           <a:extLst>
             <a:ext uri="{C572A759-6A51-4108-AA02-DFA0A04FC94B}">
-              <ma14:wrappingTextBoxFlag xmlns:ma14="http://schemas.microsoft.com/office/mac/drawingml/2011/main" xmlns="" val="1"/>
+              <ma14:wrappingTextBoxFlag xmlns="" xmlns:ma14="http://schemas.microsoft.com/office/mac/drawingml/2011/main" val="1"/>
             </a:ext>
           </a:extLst>
         </p:spPr>
@@ -15394,7 +15394,7 @@
           </a:ln>
           <a:extLst>
             <a:ext uri="{C572A759-6A51-4108-AA02-DFA0A04FC94B}">
-              <ma14:wrappingTextBoxFlag xmlns:ma14="http://schemas.microsoft.com/office/mac/drawingml/2011/main" xmlns="" val="1"/>
+              <ma14:wrappingTextBoxFlag xmlns="" xmlns:ma14="http://schemas.microsoft.com/office/mac/drawingml/2011/main" val="1"/>
             </a:ext>
           </a:extLst>
         </p:spPr>
@@ -15433,7 +15433,7 @@
           </a:ln>
           <a:extLst>
             <a:ext uri="{C572A759-6A51-4108-AA02-DFA0A04FC94B}">
-              <ma14:wrappingTextBoxFlag xmlns:ma14="http://schemas.microsoft.com/office/mac/drawingml/2011/main" xmlns="" val="1"/>
+              <ma14:wrappingTextBoxFlag xmlns="" xmlns:ma14="http://schemas.microsoft.com/office/mac/drawingml/2011/main" val="1"/>
             </a:ext>
           </a:extLst>
         </p:spPr>
@@ -16414,7 +16414,7 @@
           </a:ln>
           <a:extLst>
             <a:ext uri="{C572A759-6A51-4108-AA02-DFA0A04FC94B}">
-              <ma14:wrappingTextBoxFlag xmlns:ma14="http://schemas.microsoft.com/office/mac/drawingml/2011/main" xmlns="" val="1"/>
+              <ma14:wrappingTextBoxFlag xmlns="" xmlns:ma14="http://schemas.microsoft.com/office/mac/drawingml/2011/main" val="1"/>
             </a:ext>
           </a:extLst>
         </p:spPr>
@@ -16462,7 +16462,7 @@
           </a:ln>
           <a:extLst>
             <a:ext uri="{C572A759-6A51-4108-AA02-DFA0A04FC94B}">
-              <ma14:wrappingTextBoxFlag xmlns:ma14="http://schemas.microsoft.com/office/mac/drawingml/2011/main" xmlns="" val="1"/>
+              <ma14:wrappingTextBoxFlag xmlns="" xmlns:ma14="http://schemas.microsoft.com/office/mac/drawingml/2011/main" val="1"/>
             </a:ext>
           </a:extLst>
         </p:spPr>
@@ -16522,7 +16522,7 @@
           </a:ln>
           <a:extLst>
             <a:ext uri="{C572A759-6A51-4108-AA02-DFA0A04FC94B}">
-              <ma14:wrappingTextBoxFlag xmlns:ma14="http://schemas.microsoft.com/office/mac/drawingml/2011/main" xmlns="" val="1"/>
+              <ma14:wrappingTextBoxFlag xmlns="" xmlns:ma14="http://schemas.microsoft.com/office/mac/drawingml/2011/main" val="1"/>
             </a:ext>
           </a:extLst>
         </p:spPr>
@@ -16580,32 +16580,6 @@
       </p:grpSpPr>
       <p:sp>
         <p:nvSpPr>
-          <p:cNvPr id="124" name="Shape 124"/>
-          <p:cNvSpPr>
-            <a:spLocks noGrp="1"/>
-          </p:cNvSpPr>
-          <p:nvPr>
-            <p:ph type="title"/>
-          </p:nvPr>
-        </p:nvSpPr>
-        <p:spPr>
-          <a:prstGeom prst="rect">
-            <a:avLst/>
-          </a:prstGeom>
-        </p:spPr>
-        <p:txBody>
-          <a:bodyPr/>
-          <a:lstStyle/>
-          <a:p>
-            <a:r>
-              <a:rPr dirty="0"/>
-              <a:t>OUR MISSION</a:t>
-            </a:r>
-          </a:p>
-        </p:txBody>
-      </p:sp>
-      <p:sp>
-        <p:nvSpPr>
           <p:cNvPr id="126" name="Shape 126"/>
           <p:cNvSpPr/>
           <p:nvPr/>
@@ -16623,7 +16597,7 @@
           </a:ln>
           <a:extLst>
             <a:ext uri="{C572A759-6A51-4108-AA02-DFA0A04FC94B}">
-              <ma14:wrappingTextBoxFlag xmlns:ma14="http://schemas.microsoft.com/office/mac/drawingml/2011/main" xmlns="" val="1"/>
+              <ma14:wrappingTextBoxFlag xmlns="" xmlns:ma14="http://schemas.microsoft.com/office/mac/drawingml/2011/main" val="1"/>
             </a:ext>
           </a:extLst>
         </p:spPr>
@@ -16701,7 +16675,7 @@
           </a:ln>
           <a:extLst>
             <a:ext uri="{C572A759-6A51-4108-AA02-DFA0A04FC94B}">
-              <ma14:wrappingTextBoxFlag xmlns:ma14="http://schemas.microsoft.com/office/mac/drawingml/2011/main" xmlns="" val="1"/>
+              <ma14:wrappingTextBoxFlag xmlns="" xmlns:ma14="http://schemas.microsoft.com/office/mac/drawingml/2011/main" val="1"/>
             </a:ext>
           </a:extLst>
         </p:spPr>
@@ -16850,7 +16824,7 @@
           </a:ln>
           <a:extLst>
             <a:ext uri="{C572A759-6A51-4108-AA02-DFA0A04FC94B}">
-              <ma14:wrappingTextBoxFlag xmlns:ma14="http://schemas.microsoft.com/office/mac/drawingml/2011/main" xmlns="" val="1"/>
+              <ma14:wrappingTextBoxFlag xmlns="" xmlns:ma14="http://schemas.microsoft.com/office/mac/drawingml/2011/main" val="1"/>
             </a:ext>
           </a:extLst>
         </p:spPr>
@@ -16876,43 +16850,6 @@
           </a:lstStyle>
           <a:p>
             <a:endParaRPr dirty="0"/>
-          </a:p>
-        </p:txBody>
-      </p:sp>
-      <p:sp>
-        <p:nvSpPr>
-          <p:cNvPr id="131" name="Shape 131"/>
-          <p:cNvSpPr/>
-          <p:nvPr/>
-        </p:nvSpPr>
-        <p:spPr>
-          <a:xfrm>
-            <a:off x="1411351" y="2636866"/>
-            <a:ext cx="21561298" cy="1"/>
-          </a:xfrm>
-          <a:prstGeom prst="line">
-            <a:avLst/>
-          </a:prstGeom>
-          <a:ln w="38100">
-            <a:solidFill>
-              <a:srgbClr val="EEEFF3"/>
-            </a:solidFill>
-            <a:miter lim="400000"/>
-          </a:ln>
-        </p:spPr>
-        <p:txBody>
-          <a:bodyPr lIns="50800" tIns="50800" rIns="50800" bIns="50800" anchor="ctr"/>
-          <a:lstStyle/>
-          <a:p>
-            <a:pPr>
-              <a:defRPr sz="3200">
-                <a:latin typeface="Helvetica Light"/>
-                <a:ea typeface="Helvetica Light"/>
-                <a:cs typeface="Helvetica Light"/>
-                <a:sym typeface="Helvetica Light"/>
-              </a:defRPr>
-            </a:pPr>
-            <a:endParaRPr/>
           </a:p>
         </p:txBody>
       </p:sp>
@@ -16955,32 +16892,6 @@
       </p:grpSpPr>
       <p:sp>
         <p:nvSpPr>
-          <p:cNvPr id="124" name="Shape 124"/>
-          <p:cNvSpPr>
-            <a:spLocks noGrp="1"/>
-          </p:cNvSpPr>
-          <p:nvPr>
-            <p:ph type="title"/>
-          </p:nvPr>
-        </p:nvSpPr>
-        <p:spPr>
-          <a:prstGeom prst="rect">
-            <a:avLst/>
-          </a:prstGeom>
-        </p:spPr>
-        <p:txBody>
-          <a:bodyPr/>
-          <a:lstStyle/>
-          <a:p>
-            <a:r>
-              <a:rPr dirty="0"/>
-              <a:t>OUR MISSION</a:t>
-            </a:r>
-          </a:p>
-        </p:txBody>
-      </p:sp>
-      <p:sp>
-        <p:nvSpPr>
           <p:cNvPr id="126" name="Shape 126"/>
           <p:cNvSpPr/>
           <p:nvPr/>
@@ -16998,7 +16909,7 @@
           </a:ln>
           <a:extLst>
             <a:ext uri="{C572A759-6A51-4108-AA02-DFA0A04FC94B}">
-              <ma14:wrappingTextBoxFlag xmlns:ma14="http://schemas.microsoft.com/office/mac/drawingml/2011/main" xmlns="" val="1"/>
+              <ma14:wrappingTextBoxFlag xmlns="" xmlns:ma14="http://schemas.microsoft.com/office/mac/drawingml/2011/main" val="1"/>
             </a:ext>
           </a:extLst>
         </p:spPr>
@@ -17068,7 +16979,7 @@
           </a:ln>
           <a:extLst>
             <a:ext uri="{C572A759-6A51-4108-AA02-DFA0A04FC94B}">
-              <ma14:wrappingTextBoxFlag xmlns:ma14="http://schemas.microsoft.com/office/mac/drawingml/2011/main" xmlns="" val="1"/>
+              <ma14:wrappingTextBoxFlag xmlns="" xmlns:ma14="http://schemas.microsoft.com/office/mac/drawingml/2011/main" val="1"/>
             </a:ext>
           </a:extLst>
         </p:spPr>
@@ -17209,7 +17120,7 @@
           </a:ln>
           <a:extLst>
             <a:ext uri="{C572A759-6A51-4108-AA02-DFA0A04FC94B}">
-              <ma14:wrappingTextBoxFlag xmlns:ma14="http://schemas.microsoft.com/office/mac/drawingml/2011/main" xmlns="" val="1"/>
+              <ma14:wrappingTextBoxFlag xmlns="" xmlns:ma14="http://schemas.microsoft.com/office/mac/drawingml/2011/main" val="1"/>
             </a:ext>
           </a:extLst>
         </p:spPr>
@@ -17336,7 +17247,7 @@
           </a:ln>
           <a:extLst>
             <a:ext uri="{C572A759-6A51-4108-AA02-DFA0A04FC94B}">
-              <ma14:wrappingTextBoxFlag xmlns:ma14="http://schemas.microsoft.com/office/mac/drawingml/2011/main" xmlns="" val="1"/>
+              <ma14:wrappingTextBoxFlag xmlns="" xmlns:ma14="http://schemas.microsoft.com/office/mac/drawingml/2011/main" val="1"/>
             </a:ext>
           </a:extLst>
         </p:spPr>
@@ -17383,7 +17294,7 @@
           </a:ln>
           <a:extLst>
             <a:ext uri="{C572A759-6A51-4108-AA02-DFA0A04FC94B}">
-              <ma14:wrappingTextBoxFlag xmlns:ma14="http://schemas.microsoft.com/office/mac/drawingml/2011/main" xmlns="" val="1"/>
+              <ma14:wrappingTextBoxFlag xmlns="" xmlns:ma14="http://schemas.microsoft.com/office/mac/drawingml/2011/main" val="1"/>
             </a:ext>
           </a:extLst>
         </p:spPr>
@@ -17473,7 +17384,7 @@
           </a:ln>
           <a:extLst>
             <a:ext uri="{C572A759-6A51-4108-AA02-DFA0A04FC94B}">
-              <ma14:wrappingTextBoxFlag xmlns:ma14="http://schemas.microsoft.com/office/mac/drawingml/2011/main" xmlns="" val="1"/>
+              <ma14:wrappingTextBoxFlag xmlns="" xmlns:ma14="http://schemas.microsoft.com/office/mac/drawingml/2011/main" val="1"/>
             </a:ext>
           </a:extLst>
         </p:spPr>
@@ -17520,7 +17431,7 @@
           </a:ln>
           <a:extLst>
             <a:ext uri="{C572A759-6A51-4108-AA02-DFA0A04FC94B}">
-              <ma14:wrappingTextBoxFlag xmlns:ma14="http://schemas.microsoft.com/office/mac/drawingml/2011/main" xmlns="" val="1"/>
+              <ma14:wrappingTextBoxFlag xmlns="" xmlns:ma14="http://schemas.microsoft.com/office/mac/drawingml/2011/main" val="1"/>
             </a:ext>
           </a:extLst>
         </p:spPr>
@@ -17554,7 +17465,7 @@
                   </a:schemeClr>
                 </a:solidFill>
               </a:rPr>
-              <a:t>SOLUTION:</a:t>
+              <a:t>Problem:</a:t>
             </a:r>
             <a:r>
               <a:rPr lang="en-US" sz="3600" dirty="0">
@@ -18002,7 +17913,7 @@
           </a:ln>
           <a:extLst>
             <a:ext uri="{C572A759-6A51-4108-AA02-DFA0A04FC94B}">
-              <ma14:wrappingTextBoxFlag xmlns:ma14="http://schemas.microsoft.com/office/mac/drawingml/2011/main" xmlns="" val="1"/>
+              <ma14:wrappingTextBoxFlag xmlns="" xmlns:ma14="http://schemas.microsoft.com/office/mac/drawingml/2011/main" val="1"/>
             </a:ext>
           </a:extLst>
         </p:spPr>
@@ -18049,7 +17960,7 @@
           </a:ln>
           <a:extLst>
             <a:ext uri="{C572A759-6A51-4108-AA02-DFA0A04FC94B}">
-              <ma14:wrappingTextBoxFlag xmlns:ma14="http://schemas.microsoft.com/office/mac/drawingml/2011/main" xmlns="" val="1"/>
+              <ma14:wrappingTextBoxFlag xmlns="" xmlns:ma14="http://schemas.microsoft.com/office/mac/drawingml/2011/main" val="1"/>
             </a:ext>
           </a:extLst>
         </p:spPr>
@@ -18139,7 +18050,7 @@
           </a:ln>
           <a:extLst>
             <a:ext uri="{C572A759-6A51-4108-AA02-DFA0A04FC94B}">
-              <ma14:wrappingTextBoxFlag xmlns:ma14="http://schemas.microsoft.com/office/mac/drawingml/2011/main" xmlns="" val="1"/>
+              <ma14:wrappingTextBoxFlag xmlns="" xmlns:ma14="http://schemas.microsoft.com/office/mac/drawingml/2011/main" val="1"/>
             </a:ext>
           </a:extLst>
         </p:spPr>
@@ -18238,7 +18149,7 @@
           <a:graphicData uri="http://schemas.openxmlformats.org/presentationml/2006/ole">
             <mc:AlternateContent xmlns:mc="http://schemas.openxmlformats.org/markup-compatibility/2006">
               <mc:Choice xmlns:v="urn:schemas-microsoft-com:vml" Requires="v">
-                <p:oleObj spid="_x0000_s1034" name="Document" r:id="rId4" imgW="5405040" imgH="5781600" progId="Word.Document.8">
+                <p:oleObj spid="_x0000_s1036" name="Document" r:id="rId4" imgW="5405040" imgH="5781600" progId="Word.Document.8">
                   <p:embed/>
                 </p:oleObj>
               </mc:Choice>
@@ -19073,7 +18984,7 @@
           <a:graphicData uri="http://schemas.openxmlformats.org/presentationml/2006/ole">
             <mc:AlternateContent xmlns:mc="http://schemas.openxmlformats.org/markup-compatibility/2006">
               <mc:Choice xmlns:v="urn:schemas-microsoft-com:vml" Requires="v">
-                <p:oleObj spid="_x0000_s1035" name="Document" r:id="rId6" imgW="4614480" imgH="4076640" progId="Word.Document.8">
+                <p:oleObj spid="_x0000_s1037" name="Document" r:id="rId6" imgW="4614480" imgH="4076640" progId="Word.Document.8">
                   <p:embed/>
                 </p:oleObj>
               </mc:Choice>
@@ -20422,7 +20333,7 @@
           </a:ln>
           <a:extLst>
             <a:ext uri="{C572A759-6A51-4108-AA02-DFA0A04FC94B}">
-              <ma14:wrappingTextBoxFlag xmlns:ma14="http://schemas.microsoft.com/office/mac/drawingml/2011/main" xmlns="" val="1"/>
+              <ma14:wrappingTextBoxFlag xmlns="" xmlns:ma14="http://schemas.microsoft.com/office/mac/drawingml/2011/main" val="1"/>
             </a:ext>
           </a:extLst>
         </p:spPr>
@@ -20469,7 +20380,7 @@
           </a:ln>
           <a:extLst>
             <a:ext uri="{C572A759-6A51-4108-AA02-DFA0A04FC94B}">
-              <ma14:wrappingTextBoxFlag xmlns:ma14="http://schemas.microsoft.com/office/mac/drawingml/2011/main" xmlns="" val="1"/>
+              <ma14:wrappingTextBoxFlag xmlns="" xmlns:ma14="http://schemas.microsoft.com/office/mac/drawingml/2011/main" val="1"/>
             </a:ext>
           </a:extLst>
         </p:spPr>
@@ -20559,7 +20470,7 @@
           </a:ln>
           <a:extLst>
             <a:ext uri="{C572A759-6A51-4108-AA02-DFA0A04FC94B}">
-              <ma14:wrappingTextBoxFlag xmlns:ma14="http://schemas.microsoft.com/office/mac/drawingml/2011/main" xmlns="" val="1"/>
+              <ma14:wrappingTextBoxFlag xmlns="" xmlns:ma14="http://schemas.microsoft.com/office/mac/drawingml/2011/main" val="1"/>
             </a:ext>
           </a:extLst>
         </p:spPr>
@@ -20606,7 +20517,7 @@
           </a:ln>
           <a:extLst>
             <a:ext uri="{C572A759-6A51-4108-AA02-DFA0A04FC94B}">
-              <ma14:wrappingTextBoxFlag xmlns:ma14="http://schemas.microsoft.com/office/mac/drawingml/2011/main" xmlns="" val="1"/>
+              <ma14:wrappingTextBoxFlag xmlns="" xmlns:ma14="http://schemas.microsoft.com/office/mac/drawingml/2011/main" val="1"/>
             </a:ext>
           </a:extLst>
         </p:spPr>
@@ -20645,7 +20556,7 @@
                   </a:schemeClr>
                 </a:solidFill>
               </a:rPr>
-              <a:t>SOLUTION:</a:t>
+              <a:t>Problem:</a:t>
             </a:r>
             <a:r>
               <a:rPr lang="en-US" sz="3600" dirty="0">
@@ -20945,7 +20856,7 @@
           </a:ln>
           <a:extLst>
             <a:ext uri="{C572A759-6A51-4108-AA02-DFA0A04FC94B}">
-              <ma14:wrappingTextBoxFlag xmlns:ma14="http://schemas.microsoft.com/office/mac/drawingml/2011/main" xmlns="" val="1"/>
+              <ma14:wrappingTextBoxFlag xmlns="" xmlns:ma14="http://schemas.microsoft.com/office/mac/drawingml/2011/main" val="1"/>
             </a:ext>
           </a:extLst>
         </p:spPr>
@@ -20992,7 +20903,7 @@
           </a:ln>
           <a:extLst>
             <a:ext uri="{C572A759-6A51-4108-AA02-DFA0A04FC94B}">
-              <ma14:wrappingTextBoxFlag xmlns:ma14="http://schemas.microsoft.com/office/mac/drawingml/2011/main" xmlns="" val="1"/>
+              <ma14:wrappingTextBoxFlag xmlns="" xmlns:ma14="http://schemas.microsoft.com/office/mac/drawingml/2011/main" val="1"/>
             </a:ext>
           </a:extLst>
         </p:spPr>
@@ -21082,7 +20993,7 @@
           </a:ln>
           <a:extLst>
             <a:ext uri="{C572A759-6A51-4108-AA02-DFA0A04FC94B}">
-              <ma14:wrappingTextBoxFlag xmlns:ma14="http://schemas.microsoft.com/office/mac/drawingml/2011/main" xmlns="" val="1"/>
+              <ma14:wrappingTextBoxFlag xmlns="" xmlns:ma14="http://schemas.microsoft.com/office/mac/drawingml/2011/main" val="1"/>
             </a:ext>
           </a:extLst>
         </p:spPr>
@@ -22848,7 +22759,7 @@
           </a:ln>
           <a:extLst>
             <a:ext uri="{C572A759-6A51-4108-AA02-DFA0A04FC94B}">
-              <ma14:wrappingTextBoxFlag xmlns:ma14="http://schemas.microsoft.com/office/mac/drawingml/2011/main" xmlns="" val="1"/>
+              <ma14:wrappingTextBoxFlag xmlns="" xmlns:ma14="http://schemas.microsoft.com/office/mac/drawingml/2011/main" val="1"/>
             </a:ext>
           </a:extLst>
         </p:spPr>
@@ -22895,7 +22806,7 @@
           </a:ln>
           <a:extLst>
             <a:ext uri="{C572A759-6A51-4108-AA02-DFA0A04FC94B}">
-              <ma14:wrappingTextBoxFlag xmlns:ma14="http://schemas.microsoft.com/office/mac/drawingml/2011/main" xmlns="" val="1"/>
+              <ma14:wrappingTextBoxFlag xmlns="" xmlns:ma14="http://schemas.microsoft.com/office/mac/drawingml/2011/main" val="1"/>
             </a:ext>
           </a:extLst>
         </p:spPr>
@@ -23021,7 +22932,7 @@
           </a:ln>
           <a:extLst>
             <a:ext uri="{C572A759-6A51-4108-AA02-DFA0A04FC94B}">
-              <ma14:wrappingTextBoxFlag xmlns:ma14="http://schemas.microsoft.com/office/mac/drawingml/2011/main" xmlns="" val="1"/>
+              <ma14:wrappingTextBoxFlag xmlns="" xmlns:ma14="http://schemas.microsoft.com/office/mac/drawingml/2011/main" val="1"/>
             </a:ext>
           </a:extLst>
         </p:spPr>
@@ -23068,7 +22979,7 @@
           </a:ln>
           <a:extLst>
             <a:ext uri="{C572A759-6A51-4108-AA02-DFA0A04FC94B}">
-              <ma14:wrappingTextBoxFlag xmlns:ma14="http://schemas.microsoft.com/office/mac/drawingml/2011/main" xmlns="" val="1"/>
+              <ma14:wrappingTextBoxFlag xmlns="" xmlns:ma14="http://schemas.microsoft.com/office/mac/drawingml/2011/main" val="1"/>
             </a:ext>
           </a:extLst>
         </p:spPr>
@@ -23107,7 +23018,7 @@
                   </a:schemeClr>
                 </a:solidFill>
               </a:rPr>
-              <a:t>SOLUTION:</a:t>
+              <a:t>Problem:</a:t>
             </a:r>
             <a:r>
               <a:rPr lang="en-US" sz="3600" dirty="0">
@@ -23232,7 +23143,7 @@
           <a:graphicData uri="http://schemas.openxmlformats.org/presentationml/2006/ole">
             <mc:AlternateContent xmlns:mc="http://schemas.openxmlformats.org/markup-compatibility/2006">
               <mc:Choice xmlns:v="urn:schemas-microsoft-com:vml" Requires="v">
-                <p:oleObj spid="_x0000_s2053" name="Document" r:id="rId4" imgW="3823200" imgH="1999080" progId="Word.Document.8">
+                <p:oleObj spid="_x0000_s2054" name="Document" r:id="rId4" imgW="3823200" imgH="1999080" progId="Word.Document.8">
                   <p:embed/>
                 </p:oleObj>
               </mc:Choice>
@@ -23578,14 +23489,14 @@
           <a:p>
             <a:pPr hangingPunct="1"/>
             <a:r>
-              <a:rPr lang="en-US" altLang="en-US" sz="2800"/>
+              <a:rPr lang="en-US" altLang="en-US" sz="2800" dirty="0"/>
               <a:t>Given a set of records each of which contain some number of items from a given collection;</a:t>
             </a:r>
           </a:p>
           <a:p>
             <a:pPr lvl="1" hangingPunct="1"/>
             <a:r>
-              <a:rPr lang="en-US" altLang="en-US" sz="2400"/>
+              <a:rPr lang="en-US" altLang="en-US" sz="2400" dirty="0"/>
               <a:t>Produce dependency rules which will predict occurrence of an item based on occurrences of other items.</a:t>
             </a:r>
             <a:endParaRPr lang="en-US" altLang="en-US" dirty="0"/>
@@ -23751,7 +23662,7 @@
           </a:ln>
           <a:extLst>
             <a:ext uri="{C572A759-6A51-4108-AA02-DFA0A04FC94B}">
-              <ma14:wrappingTextBoxFlag xmlns:ma14="http://schemas.microsoft.com/office/mac/drawingml/2011/main" xmlns="" val="1"/>
+              <ma14:wrappingTextBoxFlag xmlns="" xmlns:ma14="http://schemas.microsoft.com/office/mac/drawingml/2011/main" val="1"/>
             </a:ext>
           </a:extLst>
         </p:spPr>
@@ -23798,7 +23709,7 @@
           </a:ln>
           <a:extLst>
             <a:ext uri="{C572A759-6A51-4108-AA02-DFA0A04FC94B}">
-              <ma14:wrappingTextBoxFlag xmlns:ma14="http://schemas.microsoft.com/office/mac/drawingml/2011/main" xmlns="" val="1"/>
+              <ma14:wrappingTextBoxFlag xmlns="" xmlns:ma14="http://schemas.microsoft.com/office/mac/drawingml/2011/main" val="1"/>
             </a:ext>
           </a:extLst>
         </p:spPr>
@@ -23924,7 +23835,7 @@
           </a:ln>
           <a:extLst>
             <a:ext uri="{C572A759-6A51-4108-AA02-DFA0A04FC94B}">
-              <ma14:wrappingTextBoxFlag xmlns:ma14="http://schemas.microsoft.com/office/mac/drawingml/2011/main" xmlns="" val="1"/>
+              <ma14:wrappingTextBoxFlag xmlns="" xmlns:ma14="http://schemas.microsoft.com/office/mac/drawingml/2011/main" val="1"/>
             </a:ext>
           </a:extLst>
         </p:spPr>
@@ -23971,7 +23882,7 @@
           </a:ln>
           <a:extLst>
             <a:ext uri="{C572A759-6A51-4108-AA02-DFA0A04FC94B}">
-              <ma14:wrappingTextBoxFlag xmlns:ma14="http://schemas.microsoft.com/office/mac/drawingml/2011/main" xmlns="" val="1"/>
+              <ma14:wrappingTextBoxFlag xmlns="" xmlns:ma14="http://schemas.microsoft.com/office/mac/drawingml/2011/main" val="1"/>
             </a:ext>
           </a:extLst>
         </p:spPr>
@@ -24342,7 +24253,7 @@
           </a:ln>
           <a:extLst>
             <a:ext uri="{C572A759-6A51-4108-AA02-DFA0A04FC94B}">
-              <ma14:wrappingTextBoxFlag xmlns:ma14="http://schemas.microsoft.com/office/mac/drawingml/2011/main" xmlns="" val="1"/>
+              <ma14:wrappingTextBoxFlag xmlns="" xmlns:ma14="http://schemas.microsoft.com/office/mac/drawingml/2011/main" val="1"/>
             </a:ext>
           </a:extLst>
         </p:spPr>
@@ -24389,7 +24300,7 @@
           </a:ln>
           <a:extLst>
             <a:ext uri="{C572A759-6A51-4108-AA02-DFA0A04FC94B}">
-              <ma14:wrappingTextBoxFlag xmlns:ma14="http://schemas.microsoft.com/office/mac/drawingml/2011/main" xmlns="" val="1"/>
+              <ma14:wrappingTextBoxFlag xmlns="" xmlns:ma14="http://schemas.microsoft.com/office/mac/drawingml/2011/main" val="1"/>
             </a:ext>
           </a:extLst>
         </p:spPr>
@@ -24498,7 +24409,7 @@
           </a:ln>
           <a:extLst>
             <a:ext uri="{C572A759-6A51-4108-AA02-DFA0A04FC94B}">
-              <ma14:wrappingTextBoxFlag xmlns:ma14="http://schemas.microsoft.com/office/mac/drawingml/2011/main" xmlns="" val="1"/>
+              <ma14:wrappingTextBoxFlag xmlns="" xmlns:ma14="http://schemas.microsoft.com/office/mac/drawingml/2011/main" val="1"/>
             </a:ext>
           </a:extLst>
         </p:spPr>
@@ -24545,7 +24456,7 @@
           </a:ln>
           <a:extLst>
             <a:ext uri="{C572A759-6A51-4108-AA02-DFA0A04FC94B}">
-              <ma14:wrappingTextBoxFlag xmlns:ma14="http://schemas.microsoft.com/office/mac/drawingml/2011/main" xmlns="" val="1"/>
+              <ma14:wrappingTextBoxFlag xmlns="" xmlns:ma14="http://schemas.microsoft.com/office/mac/drawingml/2011/main" val="1"/>
             </a:ext>
           </a:extLst>
         </p:spPr>
@@ -24584,7 +24495,7 @@
                   </a:schemeClr>
                 </a:solidFill>
               </a:rPr>
-              <a:t>SOLUTION:</a:t>
+              <a:t>Problem:</a:t>
             </a:r>
             <a:r>
               <a:rPr lang="en-US" sz="3600" dirty="0">
@@ -25692,7 +25603,7 @@
           </a:ln>
           <a:extLst>
             <a:ext uri="{C572A759-6A51-4108-AA02-DFA0A04FC94B}">
-              <ma14:wrappingTextBoxFlag xmlns:ma14="http://schemas.microsoft.com/office/mac/drawingml/2011/main" xmlns="" val="1"/>
+              <ma14:wrappingTextBoxFlag xmlns="" xmlns:ma14="http://schemas.microsoft.com/office/mac/drawingml/2011/main" val="1"/>
             </a:ext>
           </a:extLst>
         </p:spPr>
@@ -25739,7 +25650,7 @@
           </a:ln>
           <a:extLst>
             <a:ext uri="{C572A759-6A51-4108-AA02-DFA0A04FC94B}">
-              <ma14:wrappingTextBoxFlag xmlns:ma14="http://schemas.microsoft.com/office/mac/drawingml/2011/main" xmlns="" val="1"/>
+              <ma14:wrappingTextBoxFlag xmlns="" xmlns:ma14="http://schemas.microsoft.com/office/mac/drawingml/2011/main" val="1"/>
             </a:ext>
           </a:extLst>
         </p:spPr>
@@ -25848,7 +25759,7 @@
           </a:ln>
           <a:extLst>
             <a:ext uri="{C572A759-6A51-4108-AA02-DFA0A04FC94B}">
-              <ma14:wrappingTextBoxFlag xmlns:ma14="http://schemas.microsoft.com/office/mac/drawingml/2011/main" xmlns="" val="1"/>
+              <ma14:wrappingTextBoxFlag xmlns="" xmlns:ma14="http://schemas.microsoft.com/office/mac/drawingml/2011/main" val="1"/>
             </a:ext>
           </a:extLst>
         </p:spPr>
@@ -25895,7 +25806,7 @@
           </a:ln>
           <a:extLst>
             <a:ext uri="{C572A759-6A51-4108-AA02-DFA0A04FC94B}">
-              <ma14:wrappingTextBoxFlag xmlns:ma14="http://schemas.microsoft.com/office/mac/drawingml/2011/main" xmlns="" val="1"/>
+              <ma14:wrappingTextBoxFlag xmlns="" xmlns:ma14="http://schemas.microsoft.com/office/mac/drawingml/2011/main" val="1"/>
             </a:ext>
           </a:extLst>
         </p:spPr>
@@ -26584,7 +26495,7 @@
           </a:ln>
           <a:extLst>
             <a:ext uri="{C572A759-6A51-4108-AA02-DFA0A04FC94B}">
-              <ma14:wrappingTextBoxFlag xmlns:ma14="http://schemas.microsoft.com/office/mac/drawingml/2011/main" xmlns="" val="1"/>
+              <ma14:wrappingTextBoxFlag xmlns="" xmlns:ma14="http://schemas.microsoft.com/office/mac/drawingml/2011/main" val="1"/>
             </a:ext>
           </a:extLst>
         </p:spPr>
@@ -26673,7 +26584,7 @@
           </a:ln>
           <a:extLst>
             <a:ext uri="{C572A759-6A51-4108-AA02-DFA0A04FC94B}">
-              <ma14:wrappingTextBoxFlag xmlns:ma14="http://schemas.microsoft.com/office/mac/drawingml/2011/main" xmlns="" val="1"/>
+              <ma14:wrappingTextBoxFlag xmlns="" xmlns:ma14="http://schemas.microsoft.com/office/mac/drawingml/2011/main" val="1"/>
             </a:ext>
           </a:extLst>
         </p:spPr>
@@ -26720,7 +26631,7 @@
           </a:ln>
           <a:extLst>
             <a:ext uri="{C572A759-6A51-4108-AA02-DFA0A04FC94B}">
-              <ma14:wrappingTextBoxFlag xmlns:ma14="http://schemas.microsoft.com/office/mac/drawingml/2011/main" xmlns="" val="1"/>
+              <ma14:wrappingTextBoxFlag xmlns="" xmlns:ma14="http://schemas.microsoft.com/office/mac/drawingml/2011/main" val="1"/>
             </a:ext>
           </a:extLst>
         </p:spPr>
@@ -26810,7 +26721,7 @@
           </a:ln>
           <a:extLst>
             <a:ext uri="{C572A759-6A51-4108-AA02-DFA0A04FC94B}">
-              <ma14:wrappingTextBoxFlag xmlns:ma14="http://schemas.microsoft.com/office/mac/drawingml/2011/main" xmlns="" val="1"/>
+              <ma14:wrappingTextBoxFlag xmlns="" xmlns:ma14="http://schemas.microsoft.com/office/mac/drawingml/2011/main" val="1"/>
             </a:ext>
           </a:extLst>
         </p:spPr>
@@ -26857,7 +26768,7 @@
           </a:ln>
           <a:extLst>
             <a:ext uri="{C572A759-6A51-4108-AA02-DFA0A04FC94B}">
-              <ma14:wrappingTextBoxFlag xmlns:ma14="http://schemas.microsoft.com/office/mac/drawingml/2011/main" xmlns="" val="1"/>
+              <ma14:wrappingTextBoxFlag xmlns="" xmlns:ma14="http://schemas.microsoft.com/office/mac/drawingml/2011/main" val="1"/>
             </a:ext>
           </a:extLst>
         </p:spPr>
@@ -27113,7 +27024,7 @@
           </a:ln>
           <a:extLst>
             <a:ext uri="{C572A759-6A51-4108-AA02-DFA0A04FC94B}">
-              <ma14:wrappingTextBoxFlag xmlns:ma14="http://schemas.microsoft.com/office/mac/drawingml/2011/main" xmlns="" val="1"/>
+              <ma14:wrappingTextBoxFlag xmlns="" xmlns:ma14="http://schemas.microsoft.com/office/mac/drawingml/2011/main" val="1"/>
             </a:ext>
           </a:extLst>
         </p:spPr>
@@ -27160,7 +27071,7 @@
           </a:ln>
           <a:extLst>
             <a:ext uri="{C572A759-6A51-4108-AA02-DFA0A04FC94B}">
-              <ma14:wrappingTextBoxFlag xmlns:ma14="http://schemas.microsoft.com/office/mac/drawingml/2011/main" xmlns="" val="1"/>
+              <ma14:wrappingTextBoxFlag xmlns="" xmlns:ma14="http://schemas.microsoft.com/office/mac/drawingml/2011/main" val="1"/>
             </a:ext>
           </a:extLst>
         </p:spPr>
@@ -27269,7 +27180,7 @@
           </a:ln>
           <a:extLst>
             <a:ext uri="{C572A759-6A51-4108-AA02-DFA0A04FC94B}">
-              <ma14:wrappingTextBoxFlag xmlns:ma14="http://schemas.microsoft.com/office/mac/drawingml/2011/main" xmlns="" val="1"/>
+              <ma14:wrappingTextBoxFlag xmlns="" xmlns:ma14="http://schemas.microsoft.com/office/mac/drawingml/2011/main" val="1"/>
             </a:ext>
           </a:extLst>
         </p:spPr>
@@ -27316,7 +27227,7 @@
           </a:ln>
           <a:extLst>
             <a:ext uri="{C572A759-6A51-4108-AA02-DFA0A04FC94B}">
-              <ma14:wrappingTextBoxFlag xmlns:ma14="http://schemas.microsoft.com/office/mac/drawingml/2011/main" xmlns="" val="1"/>
+              <ma14:wrappingTextBoxFlag xmlns="" xmlns:ma14="http://schemas.microsoft.com/office/mac/drawingml/2011/main" val="1"/>
             </a:ext>
           </a:extLst>
         </p:spPr>
@@ -27536,7 +27447,7 @@
           </a:ln>
           <a:extLst>
             <a:ext uri="{C572A759-6A51-4108-AA02-DFA0A04FC94B}">
-              <ma14:wrappingTextBoxFlag xmlns="" xmlns:ma14="http://schemas.microsoft.com/office/mac/drawingml/2011/main" val="1"/>
+              <ma14:wrappingTextBoxFlag xmlns:ma14="http://schemas.microsoft.com/office/mac/drawingml/2011/main" xmlns="" val="1"/>
             </a:ext>
           </a:extLst>
         </p:spPr>
@@ -27563,52 +27474,6 @@
               <a:t>THANK YOU !</a:t>
             </a:r>
             <a:endParaRPr dirty="0"/>
-          </a:p>
-        </p:txBody>
-      </p:sp>
-      <p:sp>
-        <p:nvSpPr>
-          <p:cNvPr id="2" name="Rectangle 1">
-            <a:extLst>
-              <a:ext uri="{FF2B5EF4-FFF2-40B4-BE49-F238E27FC236}">
-                <a16:creationId xmlns:a16="http://schemas.microsoft.com/office/drawing/2014/main" id="{C78616F1-9B1C-47EA-8A75-37168E162342}"/>
-              </a:ext>
-            </a:extLst>
-          </p:cNvPr>
-          <p:cNvSpPr/>
-          <p:nvPr/>
-        </p:nvSpPr>
-        <p:spPr>
-          <a:xfrm>
-            <a:off x="7178136" y="7656071"/>
-            <a:ext cx="10023898" cy="1547924"/>
-          </a:xfrm>
-          <a:prstGeom prst="rect">
-            <a:avLst/>
-          </a:prstGeom>
-        </p:spPr>
-        <p:txBody>
-          <a:bodyPr wrap="none">
-            <a:spAutoFit/>
-          </a:bodyPr>
-          <a:lstStyle/>
-          <a:p>
-            <a:pPr>
-              <a:lnSpc>
-                <a:spcPct val="150000"/>
-              </a:lnSpc>
-            </a:pPr>
-            <a:r>
-              <a:rPr lang="en-US" altLang="en-US" sz="7200" dirty="0">
-                <a:solidFill>
-                  <a:schemeClr val="tx1">
-                    <a:lumMod val="65000"/>
-                    <a:lumOff val="35000"/>
-                  </a:schemeClr>
-                </a:solidFill>
-              </a:rPr>
-              <a:t>END OF PRESENTATION</a:t>
-            </a:r>
           </a:p>
         </p:txBody>
       </p:sp>
@@ -27904,7 +27769,7 @@
           </a:ln>
           <a:extLst>
             <a:ext uri="{C572A759-6A51-4108-AA02-DFA0A04FC94B}">
-              <ma14:wrappingTextBoxFlag xmlns:ma14="http://schemas.microsoft.com/office/mac/drawingml/2011/main" xmlns="" val="1"/>
+              <ma14:wrappingTextBoxFlag xmlns="" xmlns:ma14="http://schemas.microsoft.com/office/mac/drawingml/2011/main" val="1"/>
             </a:ext>
           </a:extLst>
         </p:spPr>
@@ -27952,7 +27817,7 @@
           </a:ln>
           <a:extLst>
             <a:ext uri="{C572A759-6A51-4108-AA02-DFA0A04FC94B}">
-              <ma14:wrappingTextBoxFlag xmlns:ma14="http://schemas.microsoft.com/office/mac/drawingml/2011/main" xmlns="" val="1"/>
+              <ma14:wrappingTextBoxFlag xmlns="" xmlns:ma14="http://schemas.microsoft.com/office/mac/drawingml/2011/main" val="1"/>
             </a:ext>
           </a:extLst>
         </p:spPr>
@@ -28104,7 +27969,7 @@
           </a:ln>
           <a:extLst>
             <a:ext uri="{C572A759-6A51-4108-AA02-DFA0A04FC94B}">
-              <ma14:wrappingTextBoxFlag xmlns:ma14="http://schemas.microsoft.com/office/mac/drawingml/2011/main" xmlns="" val="1"/>
+              <ma14:wrappingTextBoxFlag xmlns="" xmlns:ma14="http://schemas.microsoft.com/office/mac/drawingml/2011/main" val="1"/>
             </a:ext>
           </a:extLst>
         </p:spPr>
@@ -28170,7 +28035,7 @@
           </a:ln>
           <a:extLst>
             <a:ext uri="{C572A759-6A51-4108-AA02-DFA0A04FC94B}">
-              <ma14:wrappingTextBoxFlag xmlns:ma14="http://schemas.microsoft.com/office/mac/drawingml/2011/main" xmlns="" val="1"/>
+              <ma14:wrappingTextBoxFlag xmlns="" xmlns:ma14="http://schemas.microsoft.com/office/mac/drawingml/2011/main" val="1"/>
             </a:ext>
           </a:extLst>
         </p:spPr>
@@ -28645,7 +28510,7 @@
           </a:ln>
           <a:extLst>
             <a:ext uri="{C572A759-6A51-4108-AA02-DFA0A04FC94B}">
-              <ma14:wrappingTextBoxFlag xmlns:ma14="http://schemas.microsoft.com/office/mac/drawingml/2011/main" xmlns="" val="1"/>
+              <ma14:wrappingTextBoxFlag xmlns="" xmlns:ma14="http://schemas.microsoft.com/office/mac/drawingml/2011/main" val="1"/>
             </a:ext>
           </a:extLst>
         </p:spPr>
@@ -28798,7 +28663,7 @@
           </a:ln>
           <a:extLst>
             <a:ext uri="{C572A759-6A51-4108-AA02-DFA0A04FC94B}">
-              <ma14:wrappingTextBoxFlag xmlns:ma14="http://schemas.microsoft.com/office/mac/drawingml/2011/main" xmlns="" val="1"/>
+              <ma14:wrappingTextBoxFlag xmlns="" xmlns:ma14="http://schemas.microsoft.com/office/mac/drawingml/2011/main" val="1"/>
             </a:ext>
           </a:extLst>
         </p:spPr>
@@ -29053,7 +28918,7 @@
           </a:ln>
           <a:extLst>
             <a:ext uri="{C572A759-6A51-4108-AA02-DFA0A04FC94B}">
-              <ma14:wrappingTextBoxFlag xmlns:ma14="http://schemas.microsoft.com/office/mac/drawingml/2011/main" xmlns="" val="1"/>
+              <ma14:wrappingTextBoxFlag xmlns="" xmlns:ma14="http://schemas.microsoft.com/office/mac/drawingml/2011/main" val="1"/>
             </a:ext>
           </a:extLst>
         </p:spPr>
@@ -29103,7 +28968,7 @@
           </a:ln>
           <a:extLst>
             <a:ext uri="{C572A759-6A51-4108-AA02-DFA0A04FC94B}">
-              <ma14:wrappingTextBoxFlag xmlns:ma14="http://schemas.microsoft.com/office/mac/drawingml/2011/main" xmlns="" val="1"/>
+              <ma14:wrappingTextBoxFlag xmlns="" xmlns:ma14="http://schemas.microsoft.com/office/mac/drawingml/2011/main" val="1"/>
             </a:ext>
           </a:extLst>
         </p:spPr>
@@ -29168,7 +29033,7 @@
           </a:ln>
           <a:extLst>
             <a:ext uri="{C572A759-6A51-4108-AA02-DFA0A04FC94B}">
-              <ma14:wrappingTextBoxFlag xmlns:ma14="http://schemas.microsoft.com/office/mac/drawingml/2011/main" xmlns="" val="1"/>
+              <ma14:wrappingTextBoxFlag xmlns="" xmlns:ma14="http://schemas.microsoft.com/office/mac/drawingml/2011/main" val="1"/>
             </a:ext>
           </a:extLst>
         </p:spPr>
@@ -29233,7 +29098,7 @@
           </a:ln>
           <a:extLst>
             <a:ext uri="{C572A759-6A51-4108-AA02-DFA0A04FC94B}">
-              <ma14:wrappingTextBoxFlag xmlns:ma14="http://schemas.microsoft.com/office/mac/drawingml/2011/main" xmlns="" val="1"/>
+              <ma14:wrappingTextBoxFlag xmlns="" xmlns:ma14="http://schemas.microsoft.com/office/mac/drawingml/2011/main" val="1"/>
             </a:ext>
           </a:extLst>
         </p:spPr>
@@ -29290,7 +29155,7 @@
           </a:ln>
           <a:extLst>
             <a:ext uri="{C572A759-6A51-4108-AA02-DFA0A04FC94B}">
-              <ma14:wrappingTextBoxFlag xmlns:ma14="http://schemas.microsoft.com/office/mac/drawingml/2011/main" xmlns="" val="1"/>
+              <ma14:wrappingTextBoxFlag xmlns="" xmlns:ma14="http://schemas.microsoft.com/office/mac/drawingml/2011/main" val="1"/>
             </a:ext>
           </a:extLst>
         </p:spPr>
@@ -29355,7 +29220,7 @@
           </a:ln>
           <a:extLst>
             <a:ext uri="{C572A759-6A51-4108-AA02-DFA0A04FC94B}">
-              <ma14:wrappingTextBoxFlag xmlns:ma14="http://schemas.microsoft.com/office/mac/drawingml/2011/main" xmlns="" val="1"/>
+              <ma14:wrappingTextBoxFlag xmlns="" xmlns:ma14="http://schemas.microsoft.com/office/mac/drawingml/2011/main" val="1"/>
             </a:ext>
           </a:extLst>
         </p:spPr>
@@ -29658,7 +29523,7 @@
           </a:ln>
           <a:extLst>
             <a:ext uri="{C572A759-6A51-4108-AA02-DFA0A04FC94B}">
-              <ma14:wrappingTextBoxFlag xmlns:ma14="http://schemas.microsoft.com/office/mac/drawingml/2011/main" xmlns="" val="1"/>
+              <ma14:wrappingTextBoxFlag xmlns="" xmlns:ma14="http://schemas.microsoft.com/office/mac/drawingml/2011/main" val="1"/>
             </a:ext>
           </a:extLst>
         </p:spPr>
@@ -29743,7 +29608,7 @@
           </a:ln>
           <a:extLst>
             <a:ext uri="{C572A759-6A51-4108-AA02-DFA0A04FC94B}">
-              <ma14:wrappingTextBoxFlag xmlns:ma14="http://schemas.microsoft.com/office/mac/drawingml/2011/main" xmlns="" val="1"/>
+              <ma14:wrappingTextBoxFlag xmlns="" xmlns:ma14="http://schemas.microsoft.com/office/mac/drawingml/2011/main" val="1"/>
             </a:ext>
           </a:extLst>
         </p:spPr>
@@ -29868,7 +29733,7 @@
           </a:ln>
           <a:extLst>
             <a:ext uri="{C572A759-6A51-4108-AA02-DFA0A04FC94B}">
-              <ma14:wrappingTextBoxFlag xmlns:ma14="http://schemas.microsoft.com/office/mac/drawingml/2011/main" xmlns="" val="1"/>
+              <ma14:wrappingTextBoxFlag xmlns="" xmlns:ma14="http://schemas.microsoft.com/office/mac/drawingml/2011/main" val="1"/>
             </a:ext>
           </a:extLst>
         </p:spPr>
@@ -29985,7 +29850,7 @@
           </a:ln>
           <a:extLst>
             <a:ext uri="{C572A759-6A51-4108-AA02-DFA0A04FC94B}">
-              <ma14:wrappingTextBoxFlag xmlns:ma14="http://schemas.microsoft.com/office/mac/drawingml/2011/main" xmlns="" val="1"/>
+              <ma14:wrappingTextBoxFlag xmlns="" xmlns:ma14="http://schemas.microsoft.com/office/mac/drawingml/2011/main" val="1"/>
             </a:ext>
           </a:extLst>
         </p:spPr>
@@ -30124,7 +29989,7 @@
           </a:ln>
           <a:extLst>
             <a:ext uri="{C572A759-6A51-4108-AA02-DFA0A04FC94B}">
-              <ma14:wrappingTextBoxFlag xmlns:ma14="http://schemas.microsoft.com/office/mac/drawingml/2011/main" xmlns="" val="1"/>
+              <ma14:wrappingTextBoxFlag xmlns="" xmlns:ma14="http://schemas.microsoft.com/office/mac/drawingml/2011/main" val="1"/>
             </a:ext>
           </a:extLst>
         </p:spPr>
